--- a/Proje/Report.pptx
+++ b/Proje/Report.pptx
@@ -8,7 +8,13 @@
     <p:sldId id="256" r:id="rId2"/>
     <p:sldId id="257" r:id="rId3"/>
     <p:sldId id="258" r:id="rId4"/>
-    <p:sldId id="259" r:id="rId5"/>
+    <p:sldId id="260" r:id="rId5"/>
+    <p:sldId id="259" r:id="rId6"/>
+    <p:sldId id="261" r:id="rId7"/>
+    <p:sldId id="262" r:id="rId8"/>
+    <p:sldId id="263" r:id="rId9"/>
+    <p:sldId id="264" r:id="rId10"/>
+    <p:sldId id="265" r:id="rId11"/>
   </p:sldIdLst>
   <p:sldSz cx="12192000" cy="6858000"/>
   <p:notesSz cx="6858000" cy="9144000"/>
@@ -246,7 +252,7 @@
           <a:p>
             <a:fld id="{7F0F48E0-DF21-4EB1-BC7E-A057751D23AE}" type="datetimeFigureOut">
               <a:rPr lang="en-US" smtClean="0"/>
-              <a:t>12/9/2024</a:t>
+              <a:t>12/15/2024</a:t>
             </a:fld>
             <a:endParaRPr lang="en-US"/>
           </a:p>
@@ -416,7 +422,7 @@
           <a:p>
             <a:fld id="{7F0F48E0-DF21-4EB1-BC7E-A057751D23AE}" type="datetimeFigureOut">
               <a:rPr lang="en-US" smtClean="0"/>
-              <a:t>12/9/2024</a:t>
+              <a:t>12/15/2024</a:t>
             </a:fld>
             <a:endParaRPr lang="en-US"/>
           </a:p>
@@ -596,7 +602,7 @@
           <a:p>
             <a:fld id="{7F0F48E0-DF21-4EB1-BC7E-A057751D23AE}" type="datetimeFigureOut">
               <a:rPr lang="en-US" smtClean="0"/>
-              <a:t>12/9/2024</a:t>
+              <a:t>12/15/2024</a:t>
             </a:fld>
             <a:endParaRPr lang="en-US"/>
           </a:p>
@@ -766,7 +772,7 @@
           <a:p>
             <a:fld id="{7F0F48E0-DF21-4EB1-BC7E-A057751D23AE}" type="datetimeFigureOut">
               <a:rPr lang="en-US" smtClean="0"/>
-              <a:t>12/9/2024</a:t>
+              <a:t>12/15/2024</a:t>
             </a:fld>
             <a:endParaRPr lang="en-US"/>
           </a:p>
@@ -1012,7 +1018,7 @@
           <a:p>
             <a:fld id="{7F0F48E0-DF21-4EB1-BC7E-A057751D23AE}" type="datetimeFigureOut">
               <a:rPr lang="en-US" smtClean="0"/>
-              <a:t>12/9/2024</a:t>
+              <a:t>12/15/2024</a:t>
             </a:fld>
             <a:endParaRPr lang="en-US"/>
           </a:p>
@@ -1244,7 +1250,7 @@
           <a:p>
             <a:fld id="{7F0F48E0-DF21-4EB1-BC7E-A057751D23AE}" type="datetimeFigureOut">
               <a:rPr lang="en-US" smtClean="0"/>
-              <a:t>12/9/2024</a:t>
+              <a:t>12/15/2024</a:t>
             </a:fld>
             <a:endParaRPr lang="en-US"/>
           </a:p>
@@ -1611,7 +1617,7 @@
           <a:p>
             <a:fld id="{7F0F48E0-DF21-4EB1-BC7E-A057751D23AE}" type="datetimeFigureOut">
               <a:rPr lang="en-US" smtClean="0"/>
-              <a:t>12/9/2024</a:t>
+              <a:t>12/15/2024</a:t>
             </a:fld>
             <a:endParaRPr lang="en-US"/>
           </a:p>
@@ -1729,7 +1735,7 @@
           <a:p>
             <a:fld id="{7F0F48E0-DF21-4EB1-BC7E-A057751D23AE}" type="datetimeFigureOut">
               <a:rPr lang="en-US" smtClean="0"/>
-              <a:t>12/9/2024</a:t>
+              <a:t>12/15/2024</a:t>
             </a:fld>
             <a:endParaRPr lang="en-US"/>
           </a:p>
@@ -1824,7 +1830,7 @@
           <a:p>
             <a:fld id="{7F0F48E0-DF21-4EB1-BC7E-A057751D23AE}" type="datetimeFigureOut">
               <a:rPr lang="en-US" smtClean="0"/>
-              <a:t>12/9/2024</a:t>
+              <a:t>12/15/2024</a:t>
             </a:fld>
             <a:endParaRPr lang="en-US"/>
           </a:p>
@@ -2101,7 +2107,7 @@
           <a:p>
             <a:fld id="{7F0F48E0-DF21-4EB1-BC7E-A057751D23AE}" type="datetimeFigureOut">
               <a:rPr lang="en-US" smtClean="0"/>
-              <a:t>12/9/2024</a:t>
+              <a:t>12/15/2024</a:t>
             </a:fld>
             <a:endParaRPr lang="en-US"/>
           </a:p>
@@ -2354,7 +2360,7 @@
           <a:p>
             <a:fld id="{7F0F48E0-DF21-4EB1-BC7E-A057751D23AE}" type="datetimeFigureOut">
               <a:rPr lang="en-US" smtClean="0"/>
-              <a:t>12/9/2024</a:t>
+              <a:t>12/15/2024</a:t>
             </a:fld>
             <a:endParaRPr lang="en-US"/>
           </a:p>
@@ -2567,7 +2573,7 @@
           <a:p>
             <a:fld id="{7F0F48E0-DF21-4EB1-BC7E-A057751D23AE}" type="datetimeFigureOut">
               <a:rPr lang="en-US" smtClean="0"/>
-              <a:t>12/9/2024</a:t>
+              <a:t>12/15/2024</a:t>
             </a:fld>
             <a:endParaRPr lang="en-US"/>
           </a:p>
@@ -3039,6 +3045,384 @@
   <p:clrMapOvr>
     <a:masterClrMapping/>
   </p:clrMapOvr>
+  <p:timing>
+    <p:tnLst>
+      <p:par>
+        <p:cTn id="1" dur="indefinite" restart="never" nodeType="tmRoot"/>
+      </p:par>
+    </p:tnLst>
+  </p:timing>
+</p:sld>
+</file>
+
+<file path=ppt/slides/slide10.xml><?xml version="1.0" encoding="utf-8"?>
+<p:sld xmlns:a="http://schemas.openxmlformats.org/drawingml/2006/main" xmlns:r="http://schemas.openxmlformats.org/officeDocument/2006/relationships" xmlns:p="http://schemas.openxmlformats.org/presentationml/2006/main">
+  <p:cSld>
+    <p:bg>
+      <p:bgPr>
+        <a:solidFill>
+          <a:schemeClr val="tx1"/>
+        </a:solidFill>
+        <a:effectLst/>
+      </p:bgPr>
+    </p:bg>
+    <p:spTree>
+      <p:nvGrpSpPr>
+        <p:cNvPr id="1" name=""/>
+        <p:cNvGrpSpPr/>
+        <p:nvPr/>
+      </p:nvGrpSpPr>
+      <p:grpSpPr>
+        <a:xfrm>
+          <a:off x="0" y="0"/>
+          <a:ext cx="0" cy="0"/>
+          <a:chOff x="0" y="0"/>
+          <a:chExt cx="0" cy="0"/>
+        </a:xfrm>
+      </p:grpSpPr>
+      <p:pic>
+        <p:nvPicPr>
+          <p:cNvPr id="4" name="Resim 3"/>
+          <p:cNvPicPr>
+            <a:picLocks noChangeAspect="1"/>
+          </p:cNvPicPr>
+          <p:nvPr/>
+        </p:nvPicPr>
+        <p:blipFill rotWithShape="1">
+          <a:blip r:embed="rId2">
+            <a:extLst>
+              <a:ext uri="{28A0092B-C50C-407E-A947-70E740481C1C}">
+                <a14:useLocalDpi xmlns:a14="http://schemas.microsoft.com/office/drawing/2010/main" val="0"/>
+              </a:ext>
+            </a:extLst>
+          </a:blip>
+          <a:srcRect b="12402"/>
+          <a:stretch/>
+        </p:blipFill>
+        <p:spPr>
+          <a:xfrm>
+            <a:off x="0" y="-1"/>
+            <a:ext cx="6720897" cy="2568633"/>
+          </a:xfrm>
+          <a:prstGeom prst="rect">
+            <a:avLst/>
+          </a:prstGeom>
+        </p:spPr>
+      </p:pic>
+      <p:cxnSp>
+        <p:nvCxnSpPr>
+          <p:cNvPr id="7" name="Düz Ok Bağlayıcısı 6"/>
+          <p:cNvCxnSpPr/>
+          <p:nvPr/>
+        </p:nvCxnSpPr>
+        <p:spPr>
+          <a:xfrm flipH="1">
+            <a:off x="5373460" y="610084"/>
+            <a:ext cx="1298121" cy="1"/>
+          </a:xfrm>
+          <a:prstGeom prst="straightConnector1">
+            <a:avLst/>
+          </a:prstGeom>
+          <a:ln>
+            <a:tailEnd type="triangle"/>
+          </a:ln>
+        </p:spPr>
+        <p:style>
+          <a:lnRef idx="3">
+            <a:schemeClr val="accent4"/>
+          </a:lnRef>
+          <a:fillRef idx="0">
+            <a:schemeClr val="accent4"/>
+          </a:fillRef>
+          <a:effectRef idx="2">
+            <a:schemeClr val="accent4"/>
+          </a:effectRef>
+          <a:fontRef idx="minor">
+            <a:schemeClr val="tx1"/>
+          </a:fontRef>
+        </p:style>
+      </p:cxnSp>
+      <p:sp>
+        <p:nvSpPr>
+          <p:cNvPr id="9" name="Metin kutusu 8"/>
+          <p:cNvSpPr txBox="1"/>
+          <p:nvPr/>
+        </p:nvSpPr>
+        <p:spPr>
+          <a:xfrm>
+            <a:off x="6720897" y="379252"/>
+            <a:ext cx="3709307" cy="461665"/>
+          </a:xfrm>
+          <a:prstGeom prst="rect">
+            <a:avLst/>
+          </a:prstGeom>
+          <a:noFill/>
+        </p:spPr>
+        <p:txBody>
+          <a:bodyPr wrap="square" rtlCol="0">
+            <a:spAutoFit/>
+          </a:bodyPr>
+          <a:lstStyle/>
+          <a:p>
+            <a:r>
+              <a:rPr lang="en-US" sz="2400" b="1" dirty="0" smtClean="0">
+                <a:solidFill>
+                  <a:schemeClr val="bg1"/>
+                </a:solidFill>
+              </a:rPr>
+              <a:t>Class attribute</a:t>
+            </a:r>
+            <a:endParaRPr lang="en-US" sz="2400" dirty="0">
+              <a:solidFill>
+                <a:schemeClr val="bg1"/>
+              </a:solidFill>
+            </a:endParaRPr>
+          </a:p>
+        </p:txBody>
+      </p:sp>
+      <p:cxnSp>
+        <p:nvCxnSpPr>
+          <p:cNvPr id="10" name="Düz Ok Bağlayıcısı 9"/>
+          <p:cNvCxnSpPr/>
+          <p:nvPr/>
+        </p:nvCxnSpPr>
+        <p:spPr>
+          <a:xfrm flipH="1">
+            <a:off x="5799859" y="1611283"/>
+            <a:ext cx="1298121" cy="1"/>
+          </a:xfrm>
+          <a:prstGeom prst="straightConnector1">
+            <a:avLst/>
+          </a:prstGeom>
+          <a:ln>
+            <a:tailEnd type="triangle"/>
+          </a:ln>
+        </p:spPr>
+        <p:style>
+          <a:lnRef idx="3">
+            <a:schemeClr val="accent1"/>
+          </a:lnRef>
+          <a:fillRef idx="0">
+            <a:schemeClr val="accent1"/>
+          </a:fillRef>
+          <a:effectRef idx="2">
+            <a:schemeClr val="accent1"/>
+          </a:effectRef>
+          <a:fontRef idx="minor">
+            <a:schemeClr val="tx1"/>
+          </a:fontRef>
+        </p:style>
+      </p:cxnSp>
+      <p:sp>
+        <p:nvSpPr>
+          <p:cNvPr id="11" name="Metin kutusu 10"/>
+          <p:cNvSpPr txBox="1"/>
+          <p:nvPr/>
+        </p:nvSpPr>
+        <p:spPr>
+          <a:xfrm>
+            <a:off x="7311798" y="1405664"/>
+            <a:ext cx="3709307" cy="461665"/>
+          </a:xfrm>
+          <a:prstGeom prst="rect">
+            <a:avLst/>
+          </a:prstGeom>
+          <a:noFill/>
+        </p:spPr>
+        <p:txBody>
+          <a:bodyPr wrap="square" rtlCol="0">
+            <a:spAutoFit/>
+          </a:bodyPr>
+          <a:lstStyle/>
+          <a:p>
+            <a:r>
+              <a:rPr lang="en-US" sz="2400" b="1" dirty="0" smtClean="0">
+                <a:solidFill>
+                  <a:schemeClr val="bg1"/>
+                </a:solidFill>
+              </a:rPr>
+              <a:t>Constructor Method</a:t>
+            </a:r>
+            <a:endParaRPr lang="en-US" sz="2400" dirty="0">
+              <a:solidFill>
+                <a:schemeClr val="bg1"/>
+              </a:solidFill>
+            </a:endParaRPr>
+          </a:p>
+        </p:txBody>
+      </p:sp>
+      <p:sp>
+        <p:nvSpPr>
+          <p:cNvPr id="12" name="Metin kutusu 11"/>
+          <p:cNvSpPr txBox="1"/>
+          <p:nvPr/>
+        </p:nvSpPr>
+        <p:spPr>
+          <a:xfrm>
+            <a:off x="0" y="2807693"/>
+            <a:ext cx="2578554" cy="707886"/>
+          </a:xfrm>
+          <a:prstGeom prst="rect">
+            <a:avLst/>
+          </a:prstGeom>
+          <a:noFill/>
+        </p:spPr>
+        <p:txBody>
+          <a:bodyPr wrap="square" rtlCol="0">
+            <a:spAutoFit/>
+          </a:bodyPr>
+          <a:lstStyle/>
+          <a:p>
+            <a:r>
+              <a:rPr lang="en-US" sz="4000" b="1" dirty="0" smtClean="0">
+                <a:solidFill>
+                  <a:schemeClr val="bg1"/>
+                </a:solidFill>
+              </a:rPr>
+              <a:t>City Class</a:t>
+            </a:r>
+            <a:endParaRPr lang="en-US" sz="4000" b="1" dirty="0">
+              <a:solidFill>
+                <a:schemeClr val="bg1"/>
+              </a:solidFill>
+            </a:endParaRPr>
+          </a:p>
+        </p:txBody>
+      </p:sp>
+      <p:sp>
+        <p:nvSpPr>
+          <p:cNvPr id="13" name="Metin kutusu 12"/>
+          <p:cNvSpPr txBox="1"/>
+          <p:nvPr/>
+        </p:nvSpPr>
+        <p:spPr>
+          <a:xfrm>
+            <a:off x="0" y="3810493"/>
+            <a:ext cx="11857936" cy="3046988"/>
+          </a:xfrm>
+          <a:prstGeom prst="rect">
+            <a:avLst/>
+          </a:prstGeom>
+          <a:noFill/>
+        </p:spPr>
+        <p:txBody>
+          <a:bodyPr wrap="square" rtlCol="0">
+            <a:spAutoFit/>
+          </a:bodyPr>
+          <a:lstStyle/>
+          <a:p>
+            <a:r>
+              <a:rPr lang="en-US" sz="2400" b="1" dirty="0" smtClean="0">
+                <a:solidFill>
+                  <a:schemeClr val="bg1"/>
+                </a:solidFill>
+              </a:rPr>
+              <a:t>String name </a:t>
+            </a:r>
+            <a:r>
+              <a:rPr lang="en-US" sz="2400" dirty="0" smtClean="0">
+                <a:solidFill>
+                  <a:schemeClr val="bg1"/>
+                </a:solidFill>
+              </a:rPr>
+              <a:t>stores the city’s name.</a:t>
+            </a:r>
+          </a:p>
+          <a:p>
+            <a:endParaRPr lang="en-US" sz="2400" dirty="0" smtClean="0">
+              <a:solidFill>
+                <a:schemeClr val="bg1"/>
+              </a:solidFill>
+            </a:endParaRPr>
+          </a:p>
+          <a:p>
+            <a:r>
+              <a:rPr lang="en-US" sz="2400" b="1" dirty="0" smtClean="0">
+                <a:solidFill>
+                  <a:schemeClr val="bg1"/>
+                </a:solidFill>
+              </a:rPr>
+              <a:t>Constructor</a:t>
+            </a:r>
+            <a:r>
+              <a:rPr lang="en-US" sz="2400" dirty="0" smtClean="0">
+                <a:solidFill>
+                  <a:schemeClr val="bg1"/>
+                </a:solidFill>
+              </a:rPr>
+              <a:t> assigns the name to the “name” property.</a:t>
+            </a:r>
+          </a:p>
+          <a:p>
+            <a:endParaRPr lang="en-US" sz="2400" dirty="0" smtClean="0">
+              <a:solidFill>
+                <a:schemeClr val="bg1"/>
+              </a:solidFill>
+            </a:endParaRPr>
+          </a:p>
+          <a:p>
+            <a:r>
+              <a:rPr lang="en-US" sz="2400" dirty="0">
+                <a:solidFill>
+                  <a:schemeClr val="bg1"/>
+                </a:solidFill>
+              </a:rPr>
+              <a:t>The </a:t>
+            </a:r>
+            <a:r>
+              <a:rPr lang="en-US" sz="2400" b="1" dirty="0">
+                <a:solidFill>
+                  <a:schemeClr val="bg1"/>
+                </a:solidFill>
+              </a:rPr>
+              <a:t>'this.'</a:t>
+            </a:r>
+            <a:r>
+              <a:rPr lang="en-US" sz="2400" dirty="0">
+                <a:solidFill>
+                  <a:schemeClr val="bg1"/>
+                </a:solidFill>
+              </a:rPr>
+              <a:t> keyword is used to differentiate between a class attribute and its parameter value</a:t>
+            </a:r>
+            <a:r>
+              <a:rPr lang="en-US" sz="2400" dirty="0" smtClean="0">
+                <a:solidFill>
+                  <a:schemeClr val="bg1"/>
+                </a:solidFill>
+              </a:rPr>
+              <a:t>.</a:t>
+            </a:r>
+          </a:p>
+          <a:p>
+            <a:endParaRPr lang="en-US" sz="2400" dirty="0">
+              <a:solidFill>
+                <a:schemeClr val="bg1"/>
+              </a:solidFill>
+            </a:endParaRPr>
+          </a:p>
+          <a:p>
+            <a:r>
+              <a:rPr lang="en-US" sz="2400" dirty="0">
+                <a:solidFill>
+                  <a:schemeClr val="bg1"/>
+                </a:solidFill>
+              </a:rPr>
+              <a:t>The purpose of this class is to model and organize cities' data for structured storage, easy access, and efficient processing.</a:t>
+            </a:r>
+          </a:p>
+        </p:txBody>
+      </p:sp>
+    </p:spTree>
+    <p:extLst>
+      <p:ext uri="{BB962C8B-B14F-4D97-AF65-F5344CB8AC3E}">
+        <p14:creationId xmlns:p14="http://schemas.microsoft.com/office/powerpoint/2010/main" val="2454025518"/>
+      </p:ext>
+    </p:extLst>
+  </p:cSld>
+  <p:clrMapOvr>
+    <a:masterClrMapping/>
+  </p:clrMapOvr>
 </p:sld>
 </file>
 
@@ -3076,76 +3460,104 @@
           <a:p>
             <a:r>
               <a:rPr lang="en-US" dirty="0" smtClean="0"/>
-              <a:t>07/12</a:t>
+              <a:t>07/12/2024</a:t>
+            </a:r>
+            <a:endParaRPr lang="en-US" dirty="0"/>
+          </a:p>
+        </p:txBody>
+      </p:sp>
+      <p:sp>
+        <p:nvSpPr>
+          <p:cNvPr id="4" name="İçerik Yer Tutucusu 2"/>
+          <p:cNvSpPr>
+            <a:spLocks noGrp="1"/>
+          </p:cNvSpPr>
+          <p:nvPr>
+            <p:ph idx="1"/>
+          </p:nvPr>
+        </p:nvSpPr>
+        <p:spPr>
+          <a:xfrm>
+            <a:off x="838200" y="1469571"/>
+            <a:ext cx="10515600" cy="4707392"/>
+          </a:xfrm>
+        </p:spPr>
+        <p:txBody>
+          <a:bodyPr>
+            <a:normAutofit/>
+          </a:bodyPr>
+          <a:lstStyle/>
+          <a:p>
+            <a:r>
+              <a:rPr lang="en-US" dirty="0"/>
+              <a:t>The classes (</a:t>
+            </a:r>
+            <a:r>
+              <a:rPr lang="en-US" b="1" dirty="0"/>
+              <a:t>City, </a:t>
+            </a:r>
+            <a:r>
+              <a:rPr lang="en-US" b="1" dirty="0" err="1"/>
+              <a:t>CountryMap</a:t>
+            </a:r>
+            <a:r>
+              <a:rPr lang="en-US" b="1" dirty="0"/>
+              <a:t>, </a:t>
+            </a:r>
+            <a:r>
+              <a:rPr lang="en-US" b="1" dirty="0" err="1"/>
+              <a:t>WayFinder</a:t>
+            </a:r>
+            <a:r>
+              <a:rPr lang="en-US" dirty="0"/>
+              <a:t>) were created, and working with text files was learned. The text file's location was obtained from the user using the </a:t>
+            </a:r>
+            <a:r>
+              <a:rPr lang="en-US" b="1" dirty="0"/>
+              <a:t>Scanner</a:t>
+            </a:r>
+            <a:r>
+              <a:rPr lang="en-US" dirty="0"/>
+              <a:t> class. An object called 'reader' was created by combining the </a:t>
+            </a:r>
+            <a:r>
+              <a:rPr lang="en-US" b="1" dirty="0" err="1"/>
+              <a:t>FileReader</a:t>
+            </a:r>
+            <a:r>
+              <a:rPr lang="en-US" dirty="0"/>
+              <a:t> and </a:t>
+            </a:r>
+            <a:r>
+              <a:rPr lang="en-US" b="1" dirty="0" err="1"/>
+              <a:t>BufferedReader</a:t>
+            </a:r>
+            <a:r>
+              <a:rPr lang="en-US" dirty="0"/>
+              <a:t> classes. All the lines were printed on the screen using a while loop to check if it was working properly</a:t>
             </a:r>
             <a:r>
               <a:rPr lang="en-US" dirty="0" smtClean="0"/>
-              <a:t>/2024</a:t>
-            </a:r>
-            <a:endParaRPr lang="en-US" dirty="0"/>
-          </a:p>
-        </p:txBody>
-      </p:sp>
-      <p:sp>
-        <p:nvSpPr>
-          <p:cNvPr id="3" name="İçerik Yer Tutucusu 2"/>
-          <p:cNvSpPr>
-            <a:spLocks noGrp="1"/>
-          </p:cNvSpPr>
-          <p:nvPr>
-            <p:ph idx="1"/>
-          </p:nvPr>
-        </p:nvSpPr>
-        <p:spPr/>
-        <p:txBody>
-          <a:bodyPr/>
-          <a:lstStyle/>
-          <a:p>
-            <a:r>
-              <a:rPr lang="en-US" dirty="0" smtClean="0"/>
-              <a:t>I created classes (City, </a:t>
-            </a:r>
-            <a:r>
-              <a:rPr lang="en-US" dirty="0" err="1" smtClean="0"/>
-              <a:t>CountryMap</a:t>
-            </a:r>
-            <a:r>
-              <a:rPr lang="en-US" dirty="0" smtClean="0"/>
-              <a:t>, </a:t>
-            </a:r>
-            <a:r>
-              <a:rPr lang="en-US" dirty="0" err="1" smtClean="0"/>
-              <a:t>WayFinder</a:t>
-            </a:r>
-            <a:r>
-              <a:rPr lang="en-US" dirty="0" smtClean="0"/>
-              <a:t>) and I learnt how to use text files. I get text file’s location from the user by using Scanner </a:t>
-            </a:r>
-            <a:r>
-              <a:rPr lang="en-US" dirty="0" err="1" smtClean="0"/>
-              <a:t>class.By</a:t>
-            </a:r>
-            <a:r>
-              <a:rPr lang="en-US" dirty="0" smtClean="0"/>
-              <a:t> using </a:t>
-            </a:r>
-            <a:r>
-              <a:rPr lang="en-US" dirty="0" err="1" smtClean="0"/>
-              <a:t>FileReader</a:t>
-            </a:r>
-            <a:r>
-              <a:rPr lang="en-US" dirty="0" smtClean="0"/>
-              <a:t> class and </a:t>
-            </a:r>
-            <a:r>
-              <a:rPr lang="en-US" dirty="0" err="1" smtClean="0"/>
-              <a:t>BufferedReader</a:t>
-            </a:r>
-            <a:r>
-              <a:rPr lang="en-US" dirty="0" smtClean="0"/>
-              <a:t> class together, I created an object called reader. By using while loop I printed all the lines on the screen to see is it work or not.</a:t>
-            </a:r>
-            <a:endParaRPr lang="en-US" dirty="0"/>
+              <a:t>.</a:t>
+            </a:r>
+          </a:p>
+          <a:p>
+            <a:endParaRPr lang="en-US" b="1" dirty="0"/>
+          </a:p>
+          <a:p>
+            <a:r>
+              <a:rPr lang="en-US" dirty="0"/>
+              <a:t>The </a:t>
+            </a:r>
+            <a:r>
+              <a:rPr lang="en-US" b="1" dirty="0"/>
+              <a:t>try-catch structure </a:t>
+            </a:r>
+            <a:r>
+              <a:rPr lang="en-US" dirty="0"/>
+              <a:t>was used so that potential errors could be caught by the program.</a:t>
+            </a:r>
+            <a:endParaRPr lang="en-US" b="1" dirty="0"/>
           </a:p>
         </p:txBody>
       </p:sp>
@@ -3159,6 +3571,13 @@
   <p:clrMapOvr>
     <a:masterClrMapping/>
   </p:clrMapOvr>
+  <p:timing>
+    <p:tnLst>
+      <p:par>
+        <p:cTn id="1" dur="indefinite" restart="never" nodeType="tmRoot"/>
+      </p:par>
+    </p:tnLst>
+  </p:timing>
 </p:sld>
 </file>
 
@@ -3218,6 +3637,13 @@
   <p:clrMapOvr>
     <a:masterClrMapping/>
   </p:clrMapOvr>
+  <p:timing>
+    <p:tnLst>
+      <p:par>
+        <p:cTn id="1" dur="indefinite" restart="never" nodeType="tmRoot"/>
+      </p:par>
+    </p:tnLst>
+  </p:timing>
 </p:sld>
 </file>
 
@@ -3255,7 +3681,7 @@
           <a:p>
             <a:r>
               <a:rPr lang="en-US" dirty="0" smtClean="0"/>
-              <a:t>09/12/2024</a:t>
+              <a:t>11/12/2024</a:t>
             </a:r>
             <a:endParaRPr lang="en-US" dirty="0"/>
           </a:p>
@@ -3276,11 +3702,255 @@
           <a:bodyPr/>
           <a:lstStyle/>
           <a:p>
+            <a:pPr marL="0" indent="0">
+              <a:buNone/>
+            </a:pPr>
+            <a:r>
+              <a:rPr lang="en-US" dirty="0"/>
+              <a:t>The </a:t>
+            </a:r>
+            <a:r>
+              <a:rPr lang="en-US" b="1" dirty="0"/>
+              <a:t>City</a:t>
+            </a:r>
+            <a:r>
+              <a:rPr lang="en-US" dirty="0"/>
+              <a:t> and </a:t>
+            </a:r>
+            <a:r>
+              <a:rPr lang="en-US" b="1" dirty="0" err="1"/>
+              <a:t>CountryMap</a:t>
+            </a:r>
+            <a:r>
+              <a:rPr lang="en-US" dirty="0"/>
+              <a:t> classes have been implemented.</a:t>
+            </a:r>
+          </a:p>
+        </p:txBody>
+      </p:sp>
+      <p:pic>
+        <p:nvPicPr>
+          <p:cNvPr id="4" name="Resim 3"/>
+          <p:cNvPicPr>
+            <a:picLocks noChangeAspect="1"/>
+          </p:cNvPicPr>
+          <p:nvPr/>
+        </p:nvPicPr>
+        <p:blipFill>
+          <a:blip r:embed="rId2">
+            <a:extLst>
+              <a:ext uri="{28A0092B-C50C-407E-A947-70E740481C1C}">
+                <a14:useLocalDpi xmlns:a14="http://schemas.microsoft.com/office/drawing/2010/main" val="0"/>
+              </a:ext>
+            </a:extLst>
+          </a:blip>
+          <a:stretch>
+            <a:fillRect/>
+          </a:stretch>
+        </p:blipFill>
+        <p:spPr>
+          <a:xfrm>
+            <a:off x="-1" y="2611551"/>
+            <a:ext cx="6125790" cy="4246450"/>
+          </a:xfrm>
+          <a:prstGeom prst="rect">
+            <a:avLst/>
+          </a:prstGeom>
+        </p:spPr>
+      </p:pic>
+      <p:pic>
+        <p:nvPicPr>
+          <p:cNvPr id="5" name="Resim 4"/>
+          <p:cNvPicPr>
+            <a:picLocks noChangeAspect="1"/>
+          </p:cNvPicPr>
+          <p:nvPr/>
+        </p:nvPicPr>
+        <p:blipFill>
+          <a:blip r:embed="rId3">
+            <a:extLst>
+              <a:ext uri="{28A0092B-C50C-407E-A947-70E740481C1C}">
+                <a14:useLocalDpi xmlns:a14="http://schemas.microsoft.com/office/drawing/2010/main" val="0"/>
+              </a:ext>
+            </a:extLst>
+          </a:blip>
+          <a:stretch>
+            <a:fillRect/>
+          </a:stretch>
+        </p:blipFill>
+        <p:spPr>
+          <a:xfrm>
+            <a:off x="6107997" y="2611551"/>
+            <a:ext cx="6084004" cy="4246450"/>
+          </a:xfrm>
+          <a:prstGeom prst="rect">
+            <a:avLst/>
+          </a:prstGeom>
+        </p:spPr>
+      </p:pic>
+    </p:spTree>
+    <p:extLst>
+      <p:ext uri="{BB962C8B-B14F-4D97-AF65-F5344CB8AC3E}">
+        <p14:creationId xmlns:p14="http://schemas.microsoft.com/office/powerpoint/2010/main" val="3673923903"/>
+      </p:ext>
+    </p:extLst>
+  </p:cSld>
+  <p:clrMapOvr>
+    <a:masterClrMapping/>
+  </p:clrMapOvr>
+  <p:timing>
+    <p:tnLst>
+      <p:par>
+        <p:cTn id="1" dur="indefinite" restart="never" nodeType="tmRoot"/>
+      </p:par>
+    </p:tnLst>
+  </p:timing>
+</p:sld>
+</file>
+
+<file path=ppt/slides/slide5.xml><?xml version="1.0" encoding="utf-8"?>
+<p:sld xmlns:a="http://schemas.openxmlformats.org/drawingml/2006/main" xmlns:r="http://schemas.openxmlformats.org/officeDocument/2006/relationships" xmlns:p="http://schemas.openxmlformats.org/presentationml/2006/main">
+  <p:cSld>
+    <p:spTree>
+      <p:nvGrpSpPr>
+        <p:cNvPr id="1" name=""/>
+        <p:cNvGrpSpPr/>
+        <p:nvPr/>
+      </p:nvGrpSpPr>
+      <p:grpSpPr>
+        <a:xfrm>
+          <a:off x="0" y="0"/>
+          <a:ext cx="0" cy="0"/>
+          <a:chOff x="0" y="0"/>
+          <a:chExt cx="0" cy="0"/>
+        </a:xfrm>
+      </p:grpSpPr>
+      <p:sp>
+        <p:nvSpPr>
+          <p:cNvPr id="2" name="Unvan 1"/>
+          <p:cNvSpPr>
+            <a:spLocks noGrp="1"/>
+          </p:cNvSpPr>
+          <p:nvPr>
+            <p:ph type="title"/>
+          </p:nvPr>
+        </p:nvSpPr>
+        <p:spPr/>
+        <p:txBody>
+          <a:bodyPr/>
+          <a:lstStyle/>
+          <a:p>
             <a:r>
               <a:rPr lang="en-US" dirty="0" smtClean="0"/>
-              <a:t>I learnt how to read text file line by line and I stored all the values</a:t>
+              <a:t>11/12/2024</a:t>
             </a:r>
             <a:endParaRPr lang="en-US" dirty="0"/>
+          </a:p>
+        </p:txBody>
+      </p:sp>
+      <p:sp>
+        <p:nvSpPr>
+          <p:cNvPr id="3" name="İçerik Yer Tutucusu 2"/>
+          <p:cNvSpPr>
+            <a:spLocks noGrp="1"/>
+          </p:cNvSpPr>
+          <p:nvPr>
+            <p:ph idx="1"/>
+          </p:nvPr>
+        </p:nvSpPr>
+        <p:spPr/>
+        <p:txBody>
+          <a:bodyPr>
+            <a:normAutofit fontScale="92500" lnSpcReduction="10000"/>
+          </a:bodyPr>
+          <a:lstStyle/>
+          <a:p>
+            <a:r>
+              <a:rPr lang="en-US" dirty="0"/>
+              <a:t>After the entire file was read, some significant changes were made. The text file was chosen to be read line by line, and the values were stored </a:t>
+            </a:r>
+            <a:r>
+              <a:rPr lang="en-US" dirty="0" smtClean="0"/>
+              <a:t>separately.</a:t>
+            </a:r>
+          </a:p>
+          <a:p>
+            <a:endParaRPr lang="en-US" b="1" dirty="0"/>
+          </a:p>
+          <a:p>
+            <a:r>
+              <a:rPr lang="en-US" b="1" dirty="0" smtClean="0"/>
+              <a:t>.</a:t>
+            </a:r>
+            <a:r>
+              <a:rPr lang="en-US" b="1" dirty="0" smtClean="0"/>
+              <a:t>split(“ </a:t>
+            </a:r>
+            <a:r>
+              <a:rPr lang="en-US" b="1" dirty="0" smtClean="0"/>
+              <a:t>“) </a:t>
+            </a:r>
+            <a:r>
+              <a:rPr lang="en-US" dirty="0" smtClean="0"/>
+              <a:t>method have been used </a:t>
+            </a:r>
+            <a:r>
+              <a:rPr lang="en-US" dirty="0" smtClean="0"/>
+              <a:t>to separate the values </a:t>
+            </a:r>
+            <a:r>
+              <a:rPr lang="en-US" b="1" dirty="0" smtClean="0"/>
+              <a:t>based on spaces.</a:t>
+            </a:r>
+          </a:p>
+          <a:p>
+            <a:pPr marL="0" indent="0">
+              <a:buNone/>
+            </a:pPr>
+            <a:endParaRPr lang="en-US" b="1" dirty="0"/>
+          </a:p>
+          <a:p>
+            <a:r>
+              <a:rPr lang="en-US" dirty="0"/>
+              <a:t>S</a:t>
+            </a:r>
+            <a:r>
+              <a:rPr lang="en-US" dirty="0" smtClean="0"/>
+              <a:t>ome </a:t>
+            </a:r>
+            <a:r>
+              <a:rPr lang="en-US" dirty="0"/>
+              <a:t>necessary values </a:t>
+            </a:r>
+            <a:r>
+              <a:rPr lang="en-US" dirty="0" smtClean="0"/>
+              <a:t>were printed on </a:t>
+            </a:r>
+            <a:r>
+              <a:rPr lang="en-US" dirty="0"/>
+              <a:t>the screen to verify </a:t>
+            </a:r>
+            <a:r>
+              <a:rPr lang="en-US" dirty="0" smtClean="0"/>
+              <a:t>whethe</a:t>
+            </a:r>
+            <a:r>
+              <a:rPr lang="en-US" dirty="0" smtClean="0"/>
+              <a:t>r the program works properly.</a:t>
+            </a:r>
+            <a:endParaRPr lang="en-US" dirty="0" smtClean="0"/>
+          </a:p>
+          <a:p>
+            <a:pPr marL="0" indent="0">
+              <a:buNone/>
+            </a:pPr>
+            <a:endParaRPr lang="en-US" b="1" dirty="0"/>
+          </a:p>
+          <a:p>
+            <a:r>
+              <a:rPr lang="en-US" b="1" dirty="0"/>
+              <a:t>The text reading process has been completed.</a:t>
+            </a:r>
           </a:p>
         </p:txBody>
       </p:sp>
@@ -3288,6 +3958,977 @@
     <p:extLst>
       <p:ext uri="{BB962C8B-B14F-4D97-AF65-F5344CB8AC3E}">
         <p14:creationId xmlns:p14="http://schemas.microsoft.com/office/powerpoint/2010/main" val="3044821964"/>
+      </p:ext>
+    </p:extLst>
+  </p:cSld>
+  <p:clrMapOvr>
+    <a:masterClrMapping/>
+  </p:clrMapOvr>
+  <p:timing>
+    <p:tnLst>
+      <p:par>
+        <p:cTn id="1" dur="indefinite" restart="never" nodeType="tmRoot"/>
+      </p:par>
+    </p:tnLst>
+  </p:timing>
+</p:sld>
+</file>
+
+<file path=ppt/slides/slide6.xml><?xml version="1.0" encoding="utf-8"?>
+<p:sld xmlns:a="http://schemas.openxmlformats.org/drawingml/2006/main" xmlns:r="http://schemas.openxmlformats.org/officeDocument/2006/relationships" xmlns:p="http://schemas.openxmlformats.org/presentationml/2006/main">
+  <p:cSld>
+    <p:spTree>
+      <p:nvGrpSpPr>
+        <p:cNvPr id="1" name=""/>
+        <p:cNvGrpSpPr/>
+        <p:nvPr/>
+      </p:nvGrpSpPr>
+      <p:grpSpPr>
+        <a:xfrm>
+          <a:off x="0" y="0"/>
+          <a:ext cx="0" cy="0"/>
+          <a:chOff x="0" y="0"/>
+          <a:chExt cx="0" cy="0"/>
+        </a:xfrm>
+      </p:grpSpPr>
+      <p:pic>
+        <p:nvPicPr>
+          <p:cNvPr id="4" name="İçerik Yer Tutucusu 3"/>
+          <p:cNvPicPr>
+            <a:picLocks noGrp="1" noChangeAspect="1"/>
+          </p:cNvPicPr>
+          <p:nvPr>
+            <p:ph idx="1"/>
+          </p:nvPr>
+        </p:nvPicPr>
+        <p:blipFill rotWithShape="1">
+          <a:blip r:embed="rId2" cstate="print">
+            <a:extLst>
+              <a:ext uri="{28A0092B-C50C-407E-A947-70E740481C1C}">
+                <a14:useLocalDpi xmlns:a14="http://schemas.microsoft.com/office/drawing/2010/main" val="0"/>
+              </a:ext>
+            </a:extLst>
+          </a:blip>
+          <a:srcRect l="6519" r="37583"/>
+          <a:stretch/>
+        </p:blipFill>
+        <p:spPr>
+          <a:xfrm>
+            <a:off x="0" y="0"/>
+            <a:ext cx="6999316" cy="6858000"/>
+          </a:xfrm>
+        </p:spPr>
+      </p:pic>
+      <p:pic>
+        <p:nvPicPr>
+          <p:cNvPr id="6" name="Resim 5"/>
+          <p:cNvPicPr>
+            <a:picLocks noChangeAspect="1"/>
+          </p:cNvPicPr>
+          <p:nvPr/>
+        </p:nvPicPr>
+        <p:blipFill rotWithShape="1">
+          <a:blip r:embed="rId3">
+            <a:extLst>
+              <a:ext uri="{28A0092B-C50C-407E-A947-70E740481C1C}">
+                <a14:useLocalDpi xmlns:a14="http://schemas.microsoft.com/office/drawing/2010/main" val="0"/>
+              </a:ext>
+            </a:extLst>
+          </a:blip>
+          <a:srcRect l="-74" r="37482"/>
+          <a:stretch/>
+        </p:blipFill>
+        <p:spPr>
+          <a:xfrm>
+            <a:off x="6991005" y="0"/>
+            <a:ext cx="5200996" cy="6858000"/>
+          </a:xfrm>
+          <a:prstGeom prst="rect">
+            <a:avLst/>
+          </a:prstGeom>
+        </p:spPr>
+      </p:pic>
+    </p:spTree>
+    <p:extLst>
+      <p:ext uri="{BB962C8B-B14F-4D97-AF65-F5344CB8AC3E}">
+        <p14:creationId xmlns:p14="http://schemas.microsoft.com/office/powerpoint/2010/main" val="2739510289"/>
+      </p:ext>
+    </p:extLst>
+  </p:cSld>
+  <p:clrMapOvr>
+    <a:masterClrMapping/>
+  </p:clrMapOvr>
+  <p:timing>
+    <p:tnLst>
+      <p:par>
+        <p:cTn id="1" dur="indefinite" restart="never" nodeType="tmRoot"/>
+      </p:par>
+    </p:tnLst>
+  </p:timing>
+</p:sld>
+</file>
+
+<file path=ppt/slides/slide7.xml><?xml version="1.0" encoding="utf-8"?>
+<p:sld xmlns:a="http://schemas.openxmlformats.org/drawingml/2006/main" xmlns:r="http://schemas.openxmlformats.org/officeDocument/2006/relationships" xmlns:p="http://schemas.openxmlformats.org/presentationml/2006/main">
+  <p:cSld>
+    <p:bg>
+      <p:bgPr>
+        <a:solidFill>
+          <a:schemeClr val="tx1"/>
+        </a:solidFill>
+        <a:effectLst/>
+      </p:bgPr>
+    </p:bg>
+    <p:spTree>
+      <p:nvGrpSpPr>
+        <p:cNvPr id="1" name=""/>
+        <p:cNvGrpSpPr/>
+        <p:nvPr/>
+      </p:nvGrpSpPr>
+      <p:grpSpPr>
+        <a:xfrm>
+          <a:off x="0" y="0"/>
+          <a:ext cx="0" cy="0"/>
+          <a:chOff x="0" y="0"/>
+          <a:chExt cx="0" cy="0"/>
+        </a:xfrm>
+      </p:grpSpPr>
+      <p:pic>
+        <p:nvPicPr>
+          <p:cNvPr id="6" name="Resim 5"/>
+          <p:cNvPicPr>
+            <a:picLocks noChangeAspect="1"/>
+          </p:cNvPicPr>
+          <p:nvPr/>
+        </p:nvPicPr>
+        <p:blipFill>
+          <a:blip r:embed="rId2">
+            <a:extLst>
+              <a:ext uri="{28A0092B-C50C-407E-A947-70E740481C1C}">
+                <a14:useLocalDpi xmlns:a14="http://schemas.microsoft.com/office/drawing/2010/main" val="0"/>
+              </a:ext>
+            </a:extLst>
+          </a:blip>
+          <a:stretch>
+            <a:fillRect/>
+          </a:stretch>
+        </p:blipFill>
+        <p:spPr>
+          <a:xfrm>
+            <a:off x="0" y="2826327"/>
+            <a:ext cx="4909257" cy="4031673"/>
+          </a:xfrm>
+          <a:prstGeom prst="rect">
+            <a:avLst/>
+          </a:prstGeom>
+        </p:spPr>
+      </p:pic>
+      <p:pic>
+        <p:nvPicPr>
+          <p:cNvPr id="4" name="Resim 3"/>
+          <p:cNvPicPr>
+            <a:picLocks noChangeAspect="1"/>
+          </p:cNvPicPr>
+          <p:nvPr/>
+        </p:nvPicPr>
+        <p:blipFill rotWithShape="1">
+          <a:blip r:embed="rId3">
+            <a:extLst>
+              <a:ext uri="{28A0092B-C50C-407E-A947-70E740481C1C}">
+                <a14:useLocalDpi xmlns:a14="http://schemas.microsoft.com/office/drawing/2010/main" val="0"/>
+              </a:ext>
+            </a:extLst>
+          </a:blip>
+          <a:srcRect r="5051" b="6729"/>
+          <a:stretch/>
+        </p:blipFill>
+        <p:spPr>
+          <a:xfrm>
+            <a:off x="0" y="-2"/>
+            <a:ext cx="3086100" cy="2826327"/>
+          </a:xfrm>
+          <a:prstGeom prst="rect">
+            <a:avLst/>
+          </a:prstGeom>
+        </p:spPr>
+      </p:pic>
+      <p:pic>
+        <p:nvPicPr>
+          <p:cNvPr id="5" name="Resim 4"/>
+          <p:cNvPicPr>
+            <a:picLocks noChangeAspect="1"/>
+          </p:cNvPicPr>
+          <p:nvPr/>
+        </p:nvPicPr>
+        <p:blipFill rotWithShape="1">
+          <a:blip r:embed="rId4">
+            <a:extLst>
+              <a:ext uri="{28A0092B-C50C-407E-A947-70E740481C1C}">
+                <a14:useLocalDpi xmlns:a14="http://schemas.microsoft.com/office/drawing/2010/main" val="0"/>
+              </a:ext>
+            </a:extLst>
+          </a:blip>
+          <a:srcRect b="10647"/>
+          <a:stretch/>
+        </p:blipFill>
+        <p:spPr>
+          <a:xfrm>
+            <a:off x="8311928" y="-1"/>
+            <a:ext cx="3880072" cy="2826327"/>
+          </a:xfrm>
+          <a:prstGeom prst="rect">
+            <a:avLst/>
+          </a:prstGeom>
+        </p:spPr>
+      </p:pic>
+      <p:pic>
+        <p:nvPicPr>
+          <p:cNvPr id="7" name="Resim 6"/>
+          <p:cNvPicPr>
+            <a:picLocks noChangeAspect="1"/>
+          </p:cNvPicPr>
+          <p:nvPr/>
+        </p:nvPicPr>
+        <p:blipFill>
+          <a:blip r:embed="rId5">
+            <a:extLst>
+              <a:ext uri="{28A0092B-C50C-407E-A947-70E740481C1C}">
+                <a14:useLocalDpi xmlns:a14="http://schemas.microsoft.com/office/drawing/2010/main" val="0"/>
+              </a:ext>
+            </a:extLst>
+          </a:blip>
+          <a:stretch>
+            <a:fillRect/>
+          </a:stretch>
+        </p:blipFill>
+        <p:spPr>
+          <a:xfrm>
+            <a:off x="6635093" y="2826327"/>
+            <a:ext cx="5556907" cy="4031673"/>
+          </a:xfrm>
+          <a:prstGeom prst="rect">
+            <a:avLst/>
+          </a:prstGeom>
+        </p:spPr>
+      </p:pic>
+    </p:spTree>
+    <p:extLst>
+      <p:ext uri="{BB962C8B-B14F-4D97-AF65-F5344CB8AC3E}">
+        <p14:creationId xmlns:p14="http://schemas.microsoft.com/office/powerpoint/2010/main" val="1326041542"/>
+      </p:ext>
+    </p:extLst>
+  </p:cSld>
+  <p:clrMapOvr>
+    <a:masterClrMapping/>
+  </p:clrMapOvr>
+</p:sld>
+</file>
+
+<file path=ppt/slides/slide8.xml><?xml version="1.0" encoding="utf-8"?>
+<p:sld xmlns:a="http://schemas.openxmlformats.org/drawingml/2006/main" xmlns:r="http://schemas.openxmlformats.org/officeDocument/2006/relationships" xmlns:p="http://schemas.openxmlformats.org/presentationml/2006/main">
+  <p:cSld>
+    <p:spTree>
+      <p:nvGrpSpPr>
+        <p:cNvPr id="1" name=""/>
+        <p:cNvGrpSpPr/>
+        <p:nvPr/>
+      </p:nvGrpSpPr>
+      <p:grpSpPr>
+        <a:xfrm>
+          <a:off x="0" y="0"/>
+          <a:ext cx="0" cy="0"/>
+          <a:chOff x="0" y="0"/>
+          <a:chExt cx="0" cy="0"/>
+        </a:xfrm>
+      </p:grpSpPr>
+      <p:sp>
+        <p:nvSpPr>
+          <p:cNvPr id="2" name="Unvan 1"/>
+          <p:cNvSpPr>
+            <a:spLocks noGrp="1"/>
+          </p:cNvSpPr>
+          <p:nvPr>
+            <p:ph type="title"/>
+          </p:nvPr>
+        </p:nvSpPr>
+        <p:spPr/>
+        <p:txBody>
+          <a:bodyPr/>
+          <a:lstStyle/>
+          <a:p>
+            <a:r>
+              <a:rPr lang="en-US" dirty="0" smtClean="0"/>
+              <a:t>15/12/2024</a:t>
+            </a:r>
+            <a:endParaRPr lang="en-US" dirty="0"/>
+          </a:p>
+        </p:txBody>
+      </p:sp>
+      <p:sp>
+        <p:nvSpPr>
+          <p:cNvPr id="3" name="İçerik Yer Tutucusu 2"/>
+          <p:cNvSpPr>
+            <a:spLocks noGrp="1"/>
+          </p:cNvSpPr>
+          <p:nvPr>
+            <p:ph idx="1"/>
+          </p:nvPr>
+        </p:nvSpPr>
+        <p:spPr/>
+        <p:txBody>
+          <a:bodyPr/>
+          <a:lstStyle/>
+          <a:p>
+            <a:r>
+              <a:rPr lang="en-US" dirty="0"/>
+              <a:t>Significant changes were made to the code after the issues encountered during the definition of the </a:t>
+            </a:r>
+            <a:r>
+              <a:rPr lang="en-US" b="1" dirty="0" err="1"/>
+              <a:t>WayFinder</a:t>
+            </a:r>
+            <a:r>
+              <a:rPr lang="en-US" b="1" dirty="0"/>
+              <a:t> class</a:t>
+            </a:r>
+            <a:r>
+              <a:rPr lang="en-US" dirty="0" smtClean="0"/>
+              <a:t>.</a:t>
+            </a:r>
+          </a:p>
+          <a:p>
+            <a:endParaRPr lang="en-US" dirty="0" smtClean="0"/>
+          </a:p>
+          <a:p>
+            <a:r>
+              <a:rPr lang="en-US" dirty="0"/>
+              <a:t>The text reading process was initially implemented in the </a:t>
+            </a:r>
+            <a:r>
+              <a:rPr lang="en-US" b="1" dirty="0"/>
+              <a:t>Main class</a:t>
+            </a:r>
+            <a:r>
+              <a:rPr lang="en-US" dirty="0"/>
+              <a:t>, which resulted in the class becoming overly </a:t>
+            </a:r>
+            <a:r>
+              <a:rPr lang="en-US" b="1" dirty="0"/>
+              <a:t>complex</a:t>
+            </a:r>
+            <a:r>
+              <a:rPr lang="en-US" dirty="0"/>
+              <a:t> and </a:t>
+            </a:r>
+            <a:r>
+              <a:rPr lang="en-US" b="1" dirty="0"/>
+              <a:t>difficult to manage</a:t>
+            </a:r>
+            <a:r>
+              <a:rPr lang="en-US" dirty="0" smtClean="0"/>
+              <a:t>.</a:t>
+            </a:r>
+          </a:p>
+          <a:p>
+            <a:endParaRPr lang="en-US" dirty="0"/>
+          </a:p>
+          <a:p>
+            <a:r>
+              <a:rPr lang="en-US" dirty="0"/>
+              <a:t>Then, the text reading process and all other functions related to the input were implemented in the </a:t>
+            </a:r>
+            <a:r>
+              <a:rPr lang="en-US" b="1" dirty="0" err="1"/>
+              <a:t>CountryMap</a:t>
+            </a:r>
+            <a:r>
+              <a:rPr lang="en-US" b="1" dirty="0"/>
+              <a:t> class</a:t>
+            </a:r>
+            <a:r>
+              <a:rPr lang="en-US" dirty="0"/>
+              <a:t>.</a:t>
+            </a:r>
+          </a:p>
+        </p:txBody>
+      </p:sp>
+    </p:spTree>
+    <p:extLst>
+      <p:ext uri="{BB962C8B-B14F-4D97-AF65-F5344CB8AC3E}">
+        <p14:creationId xmlns:p14="http://schemas.microsoft.com/office/powerpoint/2010/main" val="3674602238"/>
+      </p:ext>
+    </p:extLst>
+  </p:cSld>
+  <p:clrMapOvr>
+    <a:masterClrMapping/>
+  </p:clrMapOvr>
+</p:sld>
+</file>
+
+<file path=ppt/slides/slide9.xml><?xml version="1.0" encoding="utf-8"?>
+<p:sld xmlns:a="http://schemas.openxmlformats.org/drawingml/2006/main" xmlns:r="http://schemas.openxmlformats.org/officeDocument/2006/relationships" xmlns:p="http://schemas.openxmlformats.org/presentationml/2006/main">
+  <p:cSld>
+    <p:bg>
+      <p:bgPr>
+        <a:solidFill>
+          <a:schemeClr val="tx1"/>
+        </a:solidFill>
+        <a:effectLst/>
+      </p:bgPr>
+    </p:bg>
+    <p:spTree>
+      <p:nvGrpSpPr>
+        <p:cNvPr id="1" name=""/>
+        <p:cNvGrpSpPr/>
+        <p:nvPr/>
+      </p:nvGrpSpPr>
+      <p:grpSpPr>
+        <a:xfrm>
+          <a:off x="0" y="0"/>
+          <a:ext cx="0" cy="0"/>
+          <a:chOff x="0" y="0"/>
+          <a:chExt cx="0" cy="0"/>
+        </a:xfrm>
+      </p:grpSpPr>
+      <p:pic>
+        <p:nvPicPr>
+          <p:cNvPr id="44" name="Resim 43"/>
+          <p:cNvPicPr>
+            <a:picLocks noChangeAspect="1"/>
+          </p:cNvPicPr>
+          <p:nvPr/>
+        </p:nvPicPr>
+        <p:blipFill>
+          <a:blip r:embed="rId2">
+            <a:extLst>
+              <a:ext uri="{28A0092B-C50C-407E-A947-70E740481C1C}">
+                <a14:useLocalDpi xmlns:a14="http://schemas.microsoft.com/office/drawing/2010/main" val="0"/>
+              </a:ext>
+            </a:extLst>
+          </a:blip>
+          <a:stretch>
+            <a:fillRect/>
+          </a:stretch>
+        </p:blipFill>
+        <p:spPr>
+          <a:xfrm>
+            <a:off x="0" y="0"/>
+            <a:ext cx="7055116" cy="6858000"/>
+          </a:xfrm>
+          <a:prstGeom prst="rect">
+            <a:avLst/>
+          </a:prstGeom>
+        </p:spPr>
+      </p:pic>
+      <p:sp>
+        <p:nvSpPr>
+          <p:cNvPr id="9" name="Metin kutusu 8"/>
+          <p:cNvSpPr txBox="1"/>
+          <p:nvPr/>
+        </p:nvSpPr>
+        <p:spPr>
+          <a:xfrm>
+            <a:off x="7103221" y="-114300"/>
+            <a:ext cx="2800350" cy="769441"/>
+          </a:xfrm>
+          <a:prstGeom prst="rect">
+            <a:avLst/>
+          </a:prstGeom>
+          <a:noFill/>
+        </p:spPr>
+        <p:txBody>
+          <a:bodyPr wrap="square" rtlCol="0">
+            <a:spAutoFit/>
+          </a:bodyPr>
+          <a:lstStyle/>
+          <a:p>
+            <a:r>
+              <a:rPr lang="en-US" sz="4400" dirty="0" smtClean="0">
+                <a:solidFill>
+                  <a:schemeClr val="bg1"/>
+                </a:solidFill>
+              </a:rPr>
+              <a:t>Main</a:t>
+            </a:r>
+            <a:r>
+              <a:rPr lang="en-US" sz="4400" dirty="0" smtClean="0"/>
+              <a:t> </a:t>
+            </a:r>
+            <a:r>
+              <a:rPr lang="en-US" sz="4400" dirty="0" smtClean="0">
+                <a:solidFill>
+                  <a:schemeClr val="bg1"/>
+                </a:solidFill>
+              </a:rPr>
+              <a:t>Class</a:t>
+            </a:r>
+            <a:endParaRPr lang="en-US" sz="4400" dirty="0">
+              <a:solidFill>
+                <a:schemeClr val="bg1"/>
+              </a:solidFill>
+            </a:endParaRPr>
+          </a:p>
+        </p:txBody>
+      </p:sp>
+      <p:cxnSp>
+        <p:nvCxnSpPr>
+          <p:cNvPr id="11" name="Düz Ok Bağlayıcısı 10"/>
+          <p:cNvCxnSpPr/>
+          <p:nvPr/>
+        </p:nvCxnSpPr>
+        <p:spPr>
+          <a:xfrm flipH="1" flipV="1">
+            <a:off x="5233307" y="987879"/>
+            <a:ext cx="2653393" cy="16328"/>
+          </a:xfrm>
+          <a:prstGeom prst="straightConnector1">
+            <a:avLst/>
+          </a:prstGeom>
+          <a:ln>
+            <a:tailEnd type="triangle"/>
+          </a:ln>
+        </p:spPr>
+        <p:style>
+          <a:lnRef idx="1">
+            <a:schemeClr val="accent1"/>
+          </a:lnRef>
+          <a:fillRef idx="0">
+            <a:schemeClr val="accent1"/>
+          </a:fillRef>
+          <a:effectRef idx="0">
+            <a:schemeClr val="accent1"/>
+          </a:effectRef>
+          <a:fontRef idx="minor">
+            <a:schemeClr val="tx1"/>
+          </a:fontRef>
+        </p:style>
+      </p:cxnSp>
+      <p:sp>
+        <p:nvSpPr>
+          <p:cNvPr id="12" name="Metin kutusu 11"/>
+          <p:cNvSpPr txBox="1"/>
+          <p:nvPr/>
+        </p:nvSpPr>
+        <p:spPr>
+          <a:xfrm>
+            <a:off x="7886700" y="520281"/>
+            <a:ext cx="4229100" cy="1200329"/>
+          </a:xfrm>
+          <a:prstGeom prst="rect">
+            <a:avLst/>
+          </a:prstGeom>
+          <a:noFill/>
+        </p:spPr>
+        <p:txBody>
+          <a:bodyPr wrap="square" rtlCol="0">
+            <a:spAutoFit/>
+          </a:bodyPr>
+          <a:lstStyle/>
+          <a:p>
+            <a:r>
+              <a:rPr lang="en-US" sz="2400" dirty="0" smtClean="0">
+                <a:solidFill>
+                  <a:schemeClr val="bg1"/>
+                </a:solidFill>
+              </a:rPr>
+              <a:t>“Throws </a:t>
+            </a:r>
+            <a:r>
+              <a:rPr lang="en-US" sz="2400" dirty="0" err="1" smtClean="0">
+                <a:solidFill>
+                  <a:schemeClr val="bg1"/>
+                </a:solidFill>
+              </a:rPr>
+              <a:t>IOException</a:t>
+            </a:r>
+            <a:r>
+              <a:rPr lang="en-US" sz="2400" dirty="0" smtClean="0">
+                <a:solidFill>
+                  <a:schemeClr val="bg1"/>
+                </a:solidFill>
+              </a:rPr>
+              <a:t>” means </a:t>
+            </a:r>
+            <a:r>
+              <a:rPr lang="en-US" sz="2400" dirty="0">
+                <a:solidFill>
+                  <a:schemeClr val="bg1"/>
+                </a:solidFill>
+              </a:rPr>
+              <a:t>the method might throw </a:t>
+            </a:r>
+            <a:r>
+              <a:rPr lang="en-US" sz="2400" dirty="0" smtClean="0">
+                <a:solidFill>
+                  <a:schemeClr val="bg1"/>
+                </a:solidFill>
+              </a:rPr>
+              <a:t>an IO Exception that must be handled.</a:t>
+            </a:r>
+            <a:endParaRPr lang="en-US" sz="2400" dirty="0">
+              <a:solidFill>
+                <a:schemeClr val="bg1"/>
+              </a:solidFill>
+            </a:endParaRPr>
+          </a:p>
+        </p:txBody>
+      </p:sp>
+      <p:cxnSp>
+        <p:nvCxnSpPr>
+          <p:cNvPr id="16" name="Düz Ok Bağlayıcısı 15"/>
+          <p:cNvCxnSpPr/>
+          <p:nvPr/>
+        </p:nvCxnSpPr>
+        <p:spPr>
+          <a:xfrm flipH="1" flipV="1">
+            <a:off x="3412672" y="1502231"/>
+            <a:ext cx="4139292" cy="1159492"/>
+          </a:xfrm>
+          <a:prstGeom prst="straightConnector1">
+            <a:avLst/>
+          </a:prstGeom>
+          <a:ln>
+            <a:tailEnd type="triangle"/>
+          </a:ln>
+        </p:spPr>
+        <p:style>
+          <a:lnRef idx="1">
+            <a:schemeClr val="accent1"/>
+          </a:lnRef>
+          <a:fillRef idx="0">
+            <a:schemeClr val="accent1"/>
+          </a:fillRef>
+          <a:effectRef idx="0">
+            <a:schemeClr val="accent1"/>
+          </a:effectRef>
+          <a:fontRef idx="minor">
+            <a:schemeClr val="tx1"/>
+          </a:fontRef>
+        </p:style>
+      </p:cxnSp>
+      <p:sp>
+        <p:nvSpPr>
+          <p:cNvPr id="25" name="Metin kutusu 24"/>
+          <p:cNvSpPr txBox="1"/>
+          <p:nvPr/>
+        </p:nvSpPr>
+        <p:spPr>
+          <a:xfrm>
+            <a:off x="7696200" y="2061559"/>
+            <a:ext cx="4229100" cy="1200329"/>
+          </a:xfrm>
+          <a:prstGeom prst="rect">
+            <a:avLst/>
+          </a:prstGeom>
+          <a:noFill/>
+        </p:spPr>
+        <p:txBody>
+          <a:bodyPr wrap="square" rtlCol="0">
+            <a:spAutoFit/>
+          </a:bodyPr>
+          <a:lstStyle/>
+          <a:p>
+            <a:r>
+              <a:rPr lang="en-US" sz="2400" dirty="0">
+                <a:solidFill>
+                  <a:schemeClr val="bg1"/>
+                </a:solidFill>
+              </a:rPr>
+              <a:t>This is used to obtain the file path from the user (</a:t>
+            </a:r>
+            <a:r>
+              <a:rPr lang="en-US" sz="2400" b="1" dirty="0">
+                <a:solidFill>
+                  <a:schemeClr val="bg1"/>
+                </a:solidFill>
+              </a:rPr>
+              <a:t>not used in this example</a:t>
+            </a:r>
+            <a:r>
+              <a:rPr lang="en-US" sz="2400" dirty="0">
+                <a:solidFill>
+                  <a:schemeClr val="bg1"/>
+                </a:solidFill>
+              </a:rPr>
+              <a:t>).</a:t>
+            </a:r>
+          </a:p>
+        </p:txBody>
+      </p:sp>
+      <p:cxnSp>
+        <p:nvCxnSpPr>
+          <p:cNvPr id="29" name="Düz Ok Bağlayıcısı 28"/>
+          <p:cNvCxnSpPr/>
+          <p:nvPr/>
+        </p:nvCxnSpPr>
+        <p:spPr>
+          <a:xfrm flipH="1" flipV="1">
+            <a:off x="4320563" y="2777962"/>
+            <a:ext cx="3762084" cy="1157227"/>
+          </a:xfrm>
+          <a:prstGeom prst="straightConnector1">
+            <a:avLst/>
+          </a:prstGeom>
+          <a:ln>
+            <a:solidFill>
+              <a:schemeClr val="accent6"/>
+            </a:solidFill>
+            <a:tailEnd type="triangle"/>
+          </a:ln>
+        </p:spPr>
+        <p:style>
+          <a:lnRef idx="1">
+            <a:schemeClr val="accent1"/>
+          </a:lnRef>
+          <a:fillRef idx="0">
+            <a:schemeClr val="accent1"/>
+          </a:fillRef>
+          <a:effectRef idx="0">
+            <a:schemeClr val="accent1"/>
+          </a:effectRef>
+          <a:fontRef idx="minor">
+            <a:schemeClr val="tx1"/>
+          </a:fontRef>
+        </p:style>
+      </p:cxnSp>
+      <p:sp>
+        <p:nvSpPr>
+          <p:cNvPr id="30" name="Metin kutusu 29"/>
+          <p:cNvSpPr txBox="1"/>
+          <p:nvPr/>
+        </p:nvSpPr>
+        <p:spPr>
+          <a:xfrm>
+            <a:off x="8158843" y="3543427"/>
+            <a:ext cx="3709307" cy="1200329"/>
+          </a:xfrm>
+          <a:prstGeom prst="rect">
+            <a:avLst/>
+          </a:prstGeom>
+          <a:noFill/>
+        </p:spPr>
+        <p:txBody>
+          <a:bodyPr wrap="square" rtlCol="0">
+            <a:spAutoFit/>
+          </a:bodyPr>
+          <a:lstStyle/>
+          <a:p>
+            <a:r>
+              <a:rPr lang="en-US" sz="2400" dirty="0">
+                <a:solidFill>
+                  <a:schemeClr val="bg1"/>
+                </a:solidFill>
+              </a:rPr>
+              <a:t>A temporary input was used to verify if the code was functioning correctly.</a:t>
+            </a:r>
+          </a:p>
+        </p:txBody>
+      </p:sp>
+      <p:sp>
+        <p:nvSpPr>
+          <p:cNvPr id="37" name="Metin kutusu 36"/>
+          <p:cNvSpPr txBox="1"/>
+          <p:nvPr/>
+        </p:nvSpPr>
+        <p:spPr>
+          <a:xfrm>
+            <a:off x="7956096" y="5108779"/>
+            <a:ext cx="3709307" cy="1200329"/>
+          </a:xfrm>
+          <a:prstGeom prst="rect">
+            <a:avLst/>
+          </a:prstGeom>
+          <a:noFill/>
+        </p:spPr>
+        <p:txBody>
+          <a:bodyPr wrap="square" rtlCol="0">
+            <a:spAutoFit/>
+          </a:bodyPr>
+          <a:lstStyle/>
+          <a:p>
+            <a:r>
+              <a:rPr lang="en-US" sz="2400" b="1" dirty="0" smtClean="0">
+                <a:solidFill>
+                  <a:schemeClr val="bg1"/>
+                </a:solidFill>
+              </a:rPr>
+              <a:t>City, </a:t>
+            </a:r>
+            <a:r>
+              <a:rPr lang="en-US" sz="2400" b="1" dirty="0" err="1" smtClean="0">
+                <a:solidFill>
+                  <a:schemeClr val="bg1"/>
+                </a:solidFill>
+              </a:rPr>
+              <a:t>CountryMap</a:t>
+            </a:r>
+            <a:r>
+              <a:rPr lang="en-US" sz="2400" b="1" dirty="0" smtClean="0">
+                <a:solidFill>
+                  <a:schemeClr val="bg1"/>
+                </a:solidFill>
+              </a:rPr>
+              <a:t> </a:t>
+            </a:r>
+            <a:r>
+              <a:rPr lang="en-US" sz="2400" dirty="0">
+                <a:solidFill>
+                  <a:schemeClr val="bg1"/>
+                </a:solidFill>
+              </a:rPr>
+              <a:t>and </a:t>
+            </a:r>
+            <a:r>
+              <a:rPr lang="en-US" sz="2400" b="1" dirty="0" err="1">
+                <a:solidFill>
+                  <a:schemeClr val="bg1"/>
+                </a:solidFill>
+              </a:rPr>
+              <a:t>WayFinder</a:t>
+            </a:r>
+            <a:r>
+              <a:rPr lang="en-US" sz="2400" dirty="0">
+                <a:solidFill>
+                  <a:schemeClr val="bg1"/>
+                </a:solidFill>
+              </a:rPr>
+              <a:t> classes and their methods were used here.</a:t>
+            </a:r>
+          </a:p>
+        </p:txBody>
+      </p:sp>
+      <p:sp>
+        <p:nvSpPr>
+          <p:cNvPr id="47" name="Sağ Ayraç 46"/>
+          <p:cNvSpPr/>
+          <p:nvPr/>
+        </p:nvSpPr>
+        <p:spPr>
+          <a:xfrm>
+            <a:off x="3710963" y="1858417"/>
+            <a:ext cx="465364" cy="1693213"/>
+          </a:xfrm>
+          <a:prstGeom prst="rightBrace">
+            <a:avLst>
+              <a:gd name="adj1" fmla="val 8333"/>
+              <a:gd name="adj2" fmla="val 52411"/>
+            </a:avLst>
+          </a:prstGeom>
+          <a:ln>
+            <a:solidFill>
+              <a:schemeClr val="accent6"/>
+            </a:solidFill>
+          </a:ln>
+        </p:spPr>
+        <p:style>
+          <a:lnRef idx="1">
+            <a:schemeClr val="accent1"/>
+          </a:lnRef>
+          <a:fillRef idx="0">
+            <a:schemeClr val="accent1"/>
+          </a:fillRef>
+          <a:effectRef idx="0">
+            <a:schemeClr val="accent1"/>
+          </a:effectRef>
+          <a:fontRef idx="minor">
+            <a:schemeClr val="tx1"/>
+          </a:fontRef>
+        </p:style>
+        <p:txBody>
+          <a:bodyPr rtlCol="0" anchor="ctr"/>
+          <a:lstStyle/>
+          <a:p>
+            <a:pPr algn="ctr"/>
+            <a:endParaRPr lang="en-US"/>
+          </a:p>
+        </p:txBody>
+      </p:sp>
+      <p:sp>
+        <p:nvSpPr>
+          <p:cNvPr id="51" name="Sağ Ayraç 50"/>
+          <p:cNvSpPr/>
+          <p:nvPr/>
+        </p:nvSpPr>
+        <p:spPr>
+          <a:xfrm>
+            <a:off x="6470251" y="3660559"/>
+            <a:ext cx="307108" cy="2722879"/>
+          </a:xfrm>
+          <a:prstGeom prst="rightBrace">
+            <a:avLst>
+              <a:gd name="adj1" fmla="val 8333"/>
+              <a:gd name="adj2" fmla="val 52411"/>
+            </a:avLst>
+          </a:prstGeom>
+          <a:ln>
+            <a:solidFill>
+              <a:srgbClr val="FFFF00"/>
+            </a:solidFill>
+          </a:ln>
+        </p:spPr>
+        <p:style>
+          <a:lnRef idx="1">
+            <a:schemeClr val="accent1"/>
+          </a:lnRef>
+          <a:fillRef idx="0">
+            <a:schemeClr val="accent1"/>
+          </a:fillRef>
+          <a:effectRef idx="0">
+            <a:schemeClr val="accent1"/>
+          </a:effectRef>
+          <a:fontRef idx="minor">
+            <a:schemeClr val="tx1"/>
+          </a:fontRef>
+        </p:style>
+        <p:txBody>
+          <a:bodyPr rtlCol="0" anchor="ctr"/>
+          <a:lstStyle/>
+          <a:p>
+            <a:pPr algn="ctr"/>
+            <a:endParaRPr lang="en-US"/>
+          </a:p>
+        </p:txBody>
+      </p:sp>
+      <p:cxnSp>
+        <p:nvCxnSpPr>
+          <p:cNvPr id="54" name="Düz Ok Bağlayıcısı 53"/>
+          <p:cNvCxnSpPr/>
+          <p:nvPr/>
+        </p:nvCxnSpPr>
+        <p:spPr>
+          <a:xfrm flipH="1" flipV="1">
+            <a:off x="6946646" y="5108779"/>
+            <a:ext cx="940054" cy="320472"/>
+          </a:xfrm>
+          <a:prstGeom prst="straightConnector1">
+            <a:avLst/>
+          </a:prstGeom>
+          <a:ln>
+            <a:solidFill>
+              <a:srgbClr val="FFFF00"/>
+            </a:solidFill>
+            <a:tailEnd type="triangle"/>
+          </a:ln>
+        </p:spPr>
+        <p:style>
+          <a:lnRef idx="1">
+            <a:schemeClr val="accent1"/>
+          </a:lnRef>
+          <a:fillRef idx="0">
+            <a:schemeClr val="accent1"/>
+          </a:fillRef>
+          <a:effectRef idx="0">
+            <a:schemeClr val="accent1"/>
+          </a:effectRef>
+          <a:fontRef idx="minor">
+            <a:schemeClr val="tx1"/>
+          </a:fontRef>
+        </p:style>
+      </p:cxnSp>
+    </p:spTree>
+    <p:extLst>
+      <p:ext uri="{BB962C8B-B14F-4D97-AF65-F5344CB8AC3E}">
+        <p14:creationId xmlns:p14="http://schemas.microsoft.com/office/powerpoint/2010/main" val="3850776798"/>
       </p:ext>
     </p:extLst>
   </p:cSld>
